--- a/Presentacion.pptx
+++ b/Presentacion.pptx
@@ -237,7 +237,7 @@
             <a:pPr rtl="0"/>
             <a:fld id="{60B2B5E0-3F7C-4D27-B033-54169BBE3F5A}" type="datetime1">
               <a:rPr lang="es-ES" smtClean="0"/>
-              <a:t>09/05/2023</a:t>
+              <a:t>16/05/2023</a:t>
             </a:fld>
             <a:endParaRPr lang="es-ES" dirty="0"/>
           </a:p>
@@ -406,7 +406,7 @@
             <a:fld id="{277AE0AD-AC8A-40B7-A05F-83C08D0E80A3}" type="datetime1">
               <a:rPr lang="es-ES" smtClean="0"/>
               <a:pPr/>
-              <a:t>09/05/2023</a:t>
+              <a:t>16/05/2023</a:t>
             </a:fld>
             <a:endParaRPr lang="es-ES" dirty="0"/>
           </a:p>
@@ -1291,7 +1291,7 @@
             <a:pPr rtl="0"/>
             <a:fld id="{7A7F30DA-8663-4794-8A66-1184A9F2D888}" type="datetime1">
               <a:rPr lang="es-ES" noProof="0" smtClean="0"/>
-              <a:t>09/05/2023</a:t>
+              <a:t>16/05/2023</a:t>
             </a:fld>
             <a:endParaRPr lang="es-ES" noProof="0"/>
           </a:p>
@@ -1917,7 +1917,7 @@
             <a:pPr rtl="0"/>
             <a:fld id="{E978C3BE-9016-4208-9F91-C00CEFA51175}" type="datetime1">
               <a:rPr lang="es-ES" noProof="0" smtClean="0"/>
-              <a:t>09/05/2023</a:t>
+              <a:t>16/05/2023</a:t>
             </a:fld>
             <a:endParaRPr lang="es-ES" noProof="0"/>
           </a:p>
@@ -2866,7 +2866,7 @@
         </p:nvSpPr>
         <p:spPr>
           <a:xfrm>
-            <a:off x="3125337" y="1937982"/>
+            <a:off x="2947916" y="1916972"/>
             <a:ext cx="7001302" cy="3416320"/>
           </a:xfrm>
           <a:prstGeom prst="rect">
@@ -2901,7 +2901,7 @@
               <a:rPr lang="en-US" dirty="0">
                 <a:hlinkClick r:id="rId3"/>
               </a:rPr>
-              <a:t>https://dacadena1.github.io/Codigo_estudiante/</a:t>
+              <a:t>https://dacadena1.github.io/</a:t>
             </a:r>
             <a:endParaRPr lang="en-US" dirty="0"/>
           </a:p>
@@ -2933,7 +2933,7 @@
               <a:rPr lang="en-US" dirty="0">
                 <a:hlinkClick r:id="rId4"/>
               </a:rPr>
-              <a:t>https://github.com/dacadena1/Codigo_estudiante.git</a:t>
+              <a:t>https://github.com/dacadena1/dacadena1.github.io.git</a:t>
             </a:r>
             <a:endParaRPr lang="en-US" dirty="0"/>
           </a:p>
